--- a/Predictive_Modeling/PPT/Seminar 13 - Sentiment Modeling.pptx
+++ b/Predictive_Modeling/PPT/Seminar 13 - Sentiment Modeling.pptx
@@ -2,7 +2,7 @@
 <file path=ppt/presentation.xml><?xml version="1.0" encoding="utf-8"?>
 <p:presentation xmlns:a="http://schemas.openxmlformats.org/drawingml/2006/main" xmlns:r="http://schemas.openxmlformats.org/officeDocument/2006/relationships" xmlns:p="http://schemas.openxmlformats.org/presentationml/2006/main" showSpecialPlsOnTitleSld="0" saveSubsetFonts="1">
   <p:sldMasterIdLst>
-    <p:sldMasterId id="2147483661" r:id="rId1"/>
+    <p:sldMasterId id="2147483674" r:id="rId1"/>
   </p:sldMasterIdLst>
   <p:notesMasterIdLst>
     <p:notesMasterId r:id="rId28"/>
@@ -228,7 +228,7 @@
           <a:p>
             <a:fld id="{12E2E0BF-1E19-48CE-A5B4-11AA1325EE0B}" type="datetimeFigureOut">
               <a:rPr lang="en-US" smtClean="0"/>
-              <a:t>8/4/2018</a:t>
+              <a:t>8/11/2018</a:t>
             </a:fld>
             <a:endParaRPr lang="en-US" dirty="0"/>
           </a:p>
@@ -393,7 +393,7 @@
           <a:p>
             <a:fld id="{B3E6BC81-1184-4954-A4F1-6E56C89D84BE}" type="datetimeFigureOut">
               <a:rPr lang="en-US" smtClean="0"/>
-              <a:t>8/4/2018</a:t>
+              <a:t>8/11/2018</a:t>
             </a:fld>
             <a:endParaRPr lang="en-US" dirty="0"/>
           </a:p>
@@ -793,7 +793,7 @@
         </p:nvSpPr>
         <p:spPr>
           <a:xfrm>
-            <a:off x="152400" y="6443433"/>
+            <a:off x="152400" y="6485768"/>
             <a:ext cx="2743200" cy="365125"/>
           </a:xfrm>
         </p:spPr>
@@ -821,7 +821,7 @@
         </p:nvSpPr>
         <p:spPr>
           <a:xfrm>
-            <a:off x="4038600" y="6443434"/>
+            <a:off x="4038600" y="6485769"/>
             <a:ext cx="4114800" cy="365125"/>
           </a:xfrm>
         </p:spPr>
@@ -849,7 +849,7 @@
         </p:nvSpPr>
         <p:spPr>
           <a:xfrm>
-            <a:off x="9361714" y="6443432"/>
+            <a:off x="9361714" y="6485767"/>
             <a:ext cx="2743200" cy="365125"/>
           </a:xfrm>
         </p:spPr>
@@ -868,7 +868,7 @@
     </p:spTree>
     <p:extLst>
       <p:ext uri="{BB962C8B-B14F-4D97-AF65-F5344CB8AC3E}">
-        <p14:creationId xmlns:p14="http://schemas.microsoft.com/office/powerpoint/2010/main" val="1433759336"/>
+        <p14:creationId xmlns:p14="http://schemas.microsoft.com/office/powerpoint/2010/main" val="2522184843"/>
       </p:ext>
     </p:extLst>
   </p:cSld>
@@ -1128,7 +1128,7 @@
     </p:spTree>
     <p:extLst>
       <p:ext uri="{BB962C8B-B14F-4D97-AF65-F5344CB8AC3E}">
-        <p14:creationId xmlns:p14="http://schemas.microsoft.com/office/powerpoint/2010/main" val="1429035351"/>
+        <p14:creationId xmlns:p14="http://schemas.microsoft.com/office/powerpoint/2010/main" val="2619243050"/>
       </p:ext>
     </p:extLst>
   </p:cSld>
@@ -1305,7 +1305,7 @@
     </p:spTree>
     <p:extLst>
       <p:ext uri="{BB962C8B-B14F-4D97-AF65-F5344CB8AC3E}">
-        <p14:creationId xmlns:p14="http://schemas.microsoft.com/office/powerpoint/2010/main" val="3745177295"/>
+        <p14:creationId xmlns:p14="http://schemas.microsoft.com/office/powerpoint/2010/main" val="2331751760"/>
       </p:ext>
     </p:extLst>
   </p:cSld>
@@ -1487,7 +1487,7 @@
     </p:spTree>
     <p:extLst>
       <p:ext uri="{BB962C8B-B14F-4D97-AF65-F5344CB8AC3E}">
-        <p14:creationId xmlns:p14="http://schemas.microsoft.com/office/powerpoint/2010/main" val="3070826783"/>
+        <p14:creationId xmlns:p14="http://schemas.microsoft.com/office/powerpoint/2010/main" val="1357405436"/>
       </p:ext>
     </p:extLst>
   </p:cSld>
@@ -1737,7 +1737,7 @@
     </p:spTree>
     <p:extLst>
       <p:ext uri="{BB962C8B-B14F-4D97-AF65-F5344CB8AC3E}">
-        <p14:creationId xmlns:p14="http://schemas.microsoft.com/office/powerpoint/2010/main" val="944565634"/>
+        <p14:creationId xmlns:p14="http://schemas.microsoft.com/office/powerpoint/2010/main" val="688926865"/>
       </p:ext>
     </p:extLst>
   </p:cSld>
@@ -1942,7 +1942,7 @@
     </p:spTree>
     <p:extLst>
       <p:ext uri="{BB962C8B-B14F-4D97-AF65-F5344CB8AC3E}">
-        <p14:creationId xmlns:p14="http://schemas.microsoft.com/office/powerpoint/2010/main" val="2153559646"/>
+        <p14:creationId xmlns:p14="http://schemas.microsoft.com/office/powerpoint/2010/main" val="7954819"/>
       </p:ext>
     </p:extLst>
   </p:cSld>
@@ -2196,7 +2196,7 @@
     </p:spTree>
     <p:extLst>
       <p:ext uri="{BB962C8B-B14F-4D97-AF65-F5344CB8AC3E}">
-        <p14:creationId xmlns:p14="http://schemas.microsoft.com/office/powerpoint/2010/main" val="2669007432"/>
+        <p14:creationId xmlns:p14="http://schemas.microsoft.com/office/powerpoint/2010/main" val="1686747283"/>
       </p:ext>
     </p:extLst>
   </p:cSld>
@@ -2242,6 +2242,7 @@
               <a:rPr lang="en-US"/>
               <a:t>Click to edit Master title style</a:t>
             </a:r>
+            <a:endParaRPr lang="en-US" dirty="0"/>
           </a:p>
         </p:txBody>
       </p:sp>
@@ -2257,8 +2258,8 @@
         </p:nvSpPr>
         <p:spPr>
           <a:xfrm>
-            <a:off x="838200" y="1825625"/>
-            <a:ext cx="5181600" cy="4351338"/>
+            <a:off x="406400" y="1354666"/>
+            <a:ext cx="5613400" cy="5046134"/>
           </a:xfrm>
         </p:spPr>
         <p:txBody>
@@ -2365,8 +2366,8 @@
         </p:nvSpPr>
         <p:spPr>
           <a:xfrm>
-            <a:off x="6172200" y="1825625"/>
-            <a:ext cx="5181600" cy="4351338"/>
+            <a:off x="6172199" y="1354666"/>
+            <a:ext cx="5469467" cy="5046134"/>
           </a:xfrm>
         </p:spPr>
         <p:txBody>
@@ -2406,6 +2407,7 @@
               <a:rPr lang="en-US"/>
               <a:t>Fifth level</a:t>
             </a:r>
+            <a:endParaRPr lang="en-US" dirty="0"/>
           </a:p>
         </p:txBody>
       </p:sp>
@@ -2481,7 +2483,7 @@
     </p:spTree>
     <p:extLst>
       <p:ext uri="{BB962C8B-B14F-4D97-AF65-F5344CB8AC3E}">
-        <p14:creationId xmlns:p14="http://schemas.microsoft.com/office/powerpoint/2010/main" val="3618622259"/>
+        <p14:creationId xmlns:p14="http://schemas.microsoft.com/office/powerpoint/2010/main" val="1854970338"/>
       </p:ext>
     </p:extLst>
   </p:cSld>
@@ -2520,8 +2522,8 @@
         </p:nvSpPr>
         <p:spPr>
           <a:xfrm>
-            <a:off x="839788" y="161926"/>
-            <a:ext cx="8536439" cy="1325563"/>
+            <a:off x="381000" y="5555"/>
+            <a:ext cx="10151533" cy="1325563"/>
           </a:xfrm>
         </p:spPr>
         <p:txBody>
@@ -2542,17 +2544,17 @@
             <a:spLocks noGrp="1"/>
           </p:cNvSpPr>
           <p:nvPr>
-            <p:ph type="body" idx="1"/>
+            <p:ph type="body" idx="1" hasCustomPrompt="1"/>
           </p:nvPr>
         </p:nvSpPr>
         <p:spPr>
           <a:xfrm>
-            <a:off x="839788" y="1681163"/>
-            <a:ext cx="5157787" cy="823912"/>
+            <a:off x="381000" y="1444096"/>
+            <a:ext cx="5616575" cy="823912"/>
           </a:xfrm>
         </p:spPr>
         <p:txBody>
-          <a:bodyPr anchor="b"/>
+          <a:bodyPr anchor="ctr"/>
           <a:lstStyle>
             <a:lvl1pPr marL="0" indent="0">
               <a:buNone/>
@@ -2594,86 +2596,86 @@
           <a:p>
             <a:pPr lvl="0"/>
             <a:r>
+              <a:rPr lang="en-US" dirty="0"/>
+              <a:t>Click to edit Master text styles</a:t>
+            </a:r>
+          </a:p>
+        </p:txBody>
+      </p:sp>
+      <p:sp>
+        <p:nvSpPr>
+          <p:cNvPr id="4" name="Content Placeholder 3"/>
+          <p:cNvSpPr>
+            <a:spLocks noGrp="1"/>
+          </p:cNvSpPr>
+          <p:nvPr>
+            <p:ph sz="half" idx="2"/>
+          </p:nvPr>
+        </p:nvSpPr>
+        <p:spPr>
+          <a:xfrm>
+            <a:off x="381000" y="2268007"/>
+            <a:ext cx="5616575" cy="4014259"/>
+          </a:xfrm>
+        </p:spPr>
+        <p:txBody>
+          <a:bodyPr/>
+          <a:lstStyle/>
+          <a:p>
+            <a:pPr lvl="0"/>
+            <a:r>
               <a:rPr lang="en-US"/>
               <a:t>Edit Master text styles</a:t>
             </a:r>
           </a:p>
-        </p:txBody>
-      </p:sp>
-      <p:sp>
-        <p:nvSpPr>
-          <p:cNvPr id="4" name="Content Placeholder 3"/>
-          <p:cNvSpPr>
-            <a:spLocks noGrp="1"/>
-          </p:cNvSpPr>
-          <p:nvPr>
-            <p:ph sz="half" idx="2"/>
+          <a:p>
+            <a:pPr lvl="1"/>
+            <a:r>
+              <a:rPr lang="en-US"/>
+              <a:t>Second level</a:t>
+            </a:r>
+          </a:p>
+          <a:p>
+            <a:pPr lvl="2"/>
+            <a:r>
+              <a:rPr lang="en-US"/>
+              <a:t>Third level</a:t>
+            </a:r>
+          </a:p>
+          <a:p>
+            <a:pPr lvl="3"/>
+            <a:r>
+              <a:rPr lang="en-US"/>
+              <a:t>Fourth level</a:t>
+            </a:r>
+          </a:p>
+          <a:p>
+            <a:pPr lvl="4"/>
+            <a:r>
+              <a:rPr lang="en-US"/>
+              <a:t>Fifth level</a:t>
+            </a:r>
+          </a:p>
+        </p:txBody>
+      </p:sp>
+      <p:sp>
+        <p:nvSpPr>
+          <p:cNvPr id="5" name="Text Placeholder 4"/>
+          <p:cNvSpPr>
+            <a:spLocks noGrp="1"/>
+          </p:cNvSpPr>
+          <p:nvPr>
+            <p:ph type="body" sz="quarter" idx="3" hasCustomPrompt="1"/>
           </p:nvPr>
         </p:nvSpPr>
         <p:spPr>
           <a:xfrm>
-            <a:off x="839788" y="2505075"/>
-            <a:ext cx="5157787" cy="3684588"/>
+            <a:off x="6172200" y="1444096"/>
+            <a:ext cx="5638800" cy="823912"/>
           </a:xfrm>
         </p:spPr>
         <p:txBody>
-          <a:bodyPr/>
-          <a:lstStyle/>
-          <a:p>
-            <a:pPr lvl="0"/>
-            <a:r>
-              <a:rPr lang="en-US"/>
-              <a:t>Edit Master text styles</a:t>
-            </a:r>
-          </a:p>
-          <a:p>
-            <a:pPr lvl="1"/>
-            <a:r>
-              <a:rPr lang="en-US"/>
-              <a:t>Second level</a:t>
-            </a:r>
-          </a:p>
-          <a:p>
-            <a:pPr lvl="2"/>
-            <a:r>
-              <a:rPr lang="en-US"/>
-              <a:t>Third level</a:t>
-            </a:r>
-          </a:p>
-          <a:p>
-            <a:pPr lvl="3"/>
-            <a:r>
-              <a:rPr lang="en-US"/>
-              <a:t>Fourth level</a:t>
-            </a:r>
-          </a:p>
-          <a:p>
-            <a:pPr lvl="4"/>
-            <a:r>
-              <a:rPr lang="en-US"/>
-              <a:t>Fifth level</a:t>
-            </a:r>
-          </a:p>
-        </p:txBody>
-      </p:sp>
-      <p:sp>
-        <p:nvSpPr>
-          <p:cNvPr id="5" name="Text Placeholder 4"/>
-          <p:cNvSpPr>
-            <a:spLocks noGrp="1"/>
-          </p:cNvSpPr>
-          <p:nvPr>
-            <p:ph type="body" sz="quarter" idx="3"/>
-          </p:nvPr>
-        </p:nvSpPr>
-        <p:spPr>
-          <a:xfrm>
-            <a:off x="6172200" y="1681163"/>
-            <a:ext cx="5183188" cy="823912"/>
-          </a:xfrm>
-        </p:spPr>
-        <p:txBody>
-          <a:bodyPr anchor="b"/>
+          <a:bodyPr anchor="ctr"/>
           <a:lstStyle>
             <a:lvl1pPr marL="0" indent="0">
               <a:buNone/>
@@ -2715,8 +2717,8 @@
           <a:p>
             <a:pPr lvl="0"/>
             <a:r>
-              <a:rPr lang="en-US"/>
-              <a:t>Edit Master text styles</a:t>
+              <a:rPr lang="en-US" dirty="0"/>
+              <a:t>Click to edit Master text styles</a:t>
             </a:r>
           </a:p>
         </p:txBody>
@@ -2733,8 +2735,8 @@
         </p:nvSpPr>
         <p:spPr>
           <a:xfrm>
-            <a:off x="6172200" y="2505075"/>
-            <a:ext cx="5183188" cy="3684588"/>
+            <a:off x="6172199" y="2268007"/>
+            <a:ext cx="5616575" cy="4014259"/>
           </a:xfrm>
         </p:spPr>
         <p:txBody>
@@ -2849,7 +2851,7 @@
     </p:spTree>
     <p:extLst>
       <p:ext uri="{BB962C8B-B14F-4D97-AF65-F5344CB8AC3E}">
-        <p14:creationId xmlns:p14="http://schemas.microsoft.com/office/powerpoint/2010/main" val="841282607"/>
+        <p14:creationId xmlns:p14="http://schemas.microsoft.com/office/powerpoint/2010/main" val="243736948"/>
       </p:ext>
     </p:extLst>
   </p:cSld>
@@ -3008,7 +3010,7 @@
     </p:spTree>
     <p:extLst>
       <p:ext uri="{BB962C8B-B14F-4D97-AF65-F5344CB8AC3E}">
-        <p14:creationId xmlns:p14="http://schemas.microsoft.com/office/powerpoint/2010/main" val="2292052035"/>
+        <p14:creationId xmlns:p14="http://schemas.microsoft.com/office/powerpoint/2010/main" val="4149060812"/>
       </p:ext>
     </p:extLst>
   </p:cSld>
@@ -3107,7 +3109,7 @@
     </p:spTree>
     <p:extLst>
       <p:ext uri="{BB962C8B-B14F-4D97-AF65-F5344CB8AC3E}">
-        <p14:creationId xmlns:p14="http://schemas.microsoft.com/office/powerpoint/2010/main" val="3657385553"/>
+        <p14:creationId xmlns:p14="http://schemas.microsoft.com/office/powerpoint/2010/main" val="2777155092"/>
       </p:ext>
     </p:extLst>
   </p:cSld>
@@ -3386,7 +3388,7 @@
     </p:spTree>
     <p:extLst>
       <p:ext uri="{BB962C8B-B14F-4D97-AF65-F5344CB8AC3E}">
-        <p14:creationId xmlns:p14="http://schemas.microsoft.com/office/powerpoint/2010/main" val="2176440309"/>
+        <p14:creationId xmlns:p14="http://schemas.microsoft.com/office/powerpoint/2010/main" val="2046643766"/>
       </p:ext>
     </p:extLst>
   </p:cSld>
@@ -3563,8 +3565,8 @@
         </p:nvSpPr>
         <p:spPr>
           <a:xfrm>
-            <a:off x="406400" y="91440"/>
-            <a:ext cx="11393714" cy="1234123"/>
+            <a:off x="406400" y="6770"/>
+            <a:ext cx="10049933" cy="1234123"/>
           </a:xfrm>
           <a:prstGeom prst="rect">
             <a:avLst/>
@@ -3595,8 +3597,8 @@
         </p:nvSpPr>
         <p:spPr>
           <a:xfrm>
-            <a:off x="406400" y="1489166"/>
-            <a:ext cx="11393714" cy="4687797"/>
+            <a:off x="406400" y="1337187"/>
+            <a:ext cx="11393714" cy="5064803"/>
           </a:xfrm>
           <a:prstGeom prst="rect">
             <a:avLst/>
@@ -3804,27 +3806,70 @@
           </a:fontRef>
         </p:style>
       </p:cxnSp>
+      <p:pic>
+        <p:nvPicPr>
+          <p:cNvPr id="10" name="Picture 9" descr="A close up of a sign&#10;&#10;Description generated with very high confidence">
+            <a:extLst>
+              <a:ext uri="{FF2B5EF4-FFF2-40B4-BE49-F238E27FC236}">
+                <a16:creationId xmlns:a16="http://schemas.microsoft.com/office/drawing/2014/main" id="{6D9D6532-6138-406D-8115-7BAFD8D73FEB}"/>
+              </a:ext>
+            </a:extLst>
+          </p:cNvPr>
+          <p:cNvPicPr>
+            <a:picLocks noChangeAspect="1"/>
+          </p:cNvPicPr>
+          <p:nvPr/>
+        </p:nvPicPr>
+        <p:blipFill>
+          <a:blip r:embed="rId16">
+            <a:duotone>
+              <a:schemeClr val="bg2">
+                <a:shade val="45000"/>
+                <a:satMod val="135000"/>
+              </a:schemeClr>
+              <a:prstClr val="white"/>
+            </a:duotone>
+            <a:extLst>
+              <a:ext uri="{28A0092B-C50C-407E-A947-70E740481C1C}">
+                <a14:useLocalDpi xmlns:a14="http://schemas.microsoft.com/office/drawing/2010/main" val="0"/>
+              </a:ext>
+            </a:extLst>
+          </a:blip>
+          <a:stretch>
+            <a:fillRect/>
+          </a:stretch>
+        </p:blipFill>
+        <p:spPr>
+          <a:xfrm>
+            <a:off x="10634133" y="96294"/>
+            <a:ext cx="1165981" cy="1229580"/>
+          </a:xfrm>
+          <a:prstGeom prst="rect">
+            <a:avLst/>
+          </a:prstGeom>
+        </p:spPr>
+      </p:pic>
     </p:spTree>
     <p:extLst>
       <p:ext uri="{BB962C8B-B14F-4D97-AF65-F5344CB8AC3E}">
-        <p14:creationId xmlns:p14="http://schemas.microsoft.com/office/powerpoint/2010/main" val="305873350"/>
+        <p14:creationId xmlns:p14="http://schemas.microsoft.com/office/powerpoint/2010/main" val="1455403035"/>
       </p:ext>
     </p:extLst>
   </p:cSld>
   <p:clrMap bg1="lt1" tx1="dk1" bg2="lt2" tx2="dk2" accent1="accent1" accent2="accent2" accent3="accent3" accent4="accent4" accent5="accent5" accent6="accent6" hlink="hlink" folHlink="folHlink"/>
   <p:sldLayoutIdLst>
-    <p:sldLayoutId id="2147483662" r:id="rId1"/>
-    <p:sldLayoutId id="2147483663" r:id="rId2"/>
-    <p:sldLayoutId id="2147483664" r:id="rId3"/>
-    <p:sldLayoutId id="2147483665" r:id="rId4"/>
-    <p:sldLayoutId id="2147483666" r:id="rId5"/>
-    <p:sldLayoutId id="2147483667" r:id="rId6"/>
-    <p:sldLayoutId id="2147483668" r:id="rId7"/>
-    <p:sldLayoutId id="2147483669" r:id="rId8"/>
-    <p:sldLayoutId id="2147483670" r:id="rId9"/>
-    <p:sldLayoutId id="2147483671" r:id="rId10"/>
-    <p:sldLayoutId id="2147483672" r:id="rId11"/>
-    <p:sldLayoutId id="2147483673" r:id="rId12"/>
+    <p:sldLayoutId id="2147483675" r:id="rId1"/>
+    <p:sldLayoutId id="2147483676" r:id="rId2"/>
+    <p:sldLayoutId id="2147483677" r:id="rId3"/>
+    <p:sldLayoutId id="2147483678" r:id="rId4"/>
+    <p:sldLayoutId id="2147483679" r:id="rId5"/>
+    <p:sldLayoutId id="2147483680" r:id="rId6"/>
+    <p:sldLayoutId id="2147483681" r:id="rId7"/>
+    <p:sldLayoutId id="2147483682" r:id="rId8"/>
+    <p:sldLayoutId id="2147483683" r:id="rId9"/>
+    <p:sldLayoutId id="2147483684" r:id="rId10"/>
+    <p:sldLayoutId id="2147483685" r:id="rId11"/>
+    <p:sldLayoutId id="2147483686" r:id="rId12"/>
   </p:sldLayoutIdLst>
   <p:hf hdr="0"/>
   <p:txStyles>
@@ -4401,7 +4446,7 @@
         <p:spPr/>
         <p:txBody>
           <a:bodyPr>
-            <a:normAutofit fontScale="55000" lnSpcReduction="20000"/>
+            <a:normAutofit fontScale="70000" lnSpcReduction="20000"/>
           </a:bodyPr>
           <a:lstStyle/>
           <a:p>
@@ -4949,7 +4994,7 @@
         <p:spPr/>
         <p:txBody>
           <a:bodyPr>
-            <a:normAutofit fontScale="55000" lnSpcReduction="20000"/>
+            <a:normAutofit fontScale="70000" lnSpcReduction="20000"/>
           </a:bodyPr>
           <a:lstStyle/>
           <a:p>
@@ -5511,7 +5556,7 @@
         <p:spPr/>
         <p:txBody>
           <a:bodyPr>
-            <a:normAutofit fontScale="55000" lnSpcReduction="20000"/>
+            <a:normAutofit fontScale="70000" lnSpcReduction="20000"/>
           </a:bodyPr>
           <a:lstStyle/>
           <a:p>
@@ -6207,7 +6252,7 @@
         <p:spPr/>
         <p:txBody>
           <a:bodyPr>
-            <a:normAutofit fontScale="77500" lnSpcReduction="20000"/>
+            <a:normAutofit fontScale="92500" lnSpcReduction="20000"/>
           </a:bodyPr>
           <a:lstStyle/>
           <a:p>
@@ -6298,7 +6343,7 @@
         <p:spPr/>
         <p:txBody>
           <a:bodyPr>
-            <a:normAutofit fontScale="77500" lnSpcReduction="20000"/>
+            <a:normAutofit fontScale="92500" lnSpcReduction="20000"/>
           </a:bodyPr>
           <a:lstStyle/>
           <a:p>
@@ -6827,10 +6872,15 @@
             <p:ph sz="half" idx="1"/>
           </p:nvPr>
         </p:nvSpPr>
-        <p:spPr/>
+        <p:spPr>
+          <a:xfrm>
+            <a:off x="406400" y="1354666"/>
+            <a:ext cx="5387649" cy="5046134"/>
+          </a:xfrm>
+        </p:spPr>
         <p:txBody>
           <a:bodyPr>
-            <a:normAutofit fontScale="47500" lnSpcReduction="20000"/>
+            <a:normAutofit fontScale="55000" lnSpcReduction="20000"/>
           </a:bodyPr>
           <a:lstStyle/>
           <a:p>
@@ -6965,10 +7015,15 @@
             <p:ph sz="half" idx="2"/>
           </p:nvPr>
         </p:nvSpPr>
-        <p:spPr/>
+        <p:spPr>
+          <a:xfrm>
+            <a:off x="5964965" y="1354666"/>
+            <a:ext cx="5676702" cy="5046134"/>
+          </a:xfrm>
+        </p:spPr>
         <p:txBody>
           <a:bodyPr>
-            <a:normAutofit fontScale="47500" lnSpcReduction="20000"/>
+            <a:normAutofit fontScale="55000" lnSpcReduction="20000"/>
           </a:bodyPr>
           <a:lstStyle/>
           <a:p>
@@ -7143,33 +7198,15 @@
               </a:spcBef>
               <a:buNone/>
             </a:pPr>
-            <a:r>
-              <a:rPr lang="en-US" dirty="0">
-                <a:solidFill>
-                  <a:schemeClr val="tx1"/>
-                </a:solidFill>
-                <a:latin typeface="Lucida Console" panose="020B0609040504020204" pitchFamily="49" charset="0"/>
-              </a:rPr>
-              <a:t>## # A </a:t>
-            </a:r>
-            <a:r>
-              <a:rPr lang="en-US" dirty="0" err="1">
-                <a:solidFill>
-                  <a:schemeClr val="tx1"/>
-                </a:solidFill>
-                <a:latin typeface="Lucida Console" panose="020B0609040504020204" pitchFamily="49" charset="0"/>
-              </a:rPr>
-              <a:t>tibble</a:t>
-            </a:r>
-            <a:r>
-              <a:rPr lang="en-US" dirty="0">
-                <a:solidFill>
-                  <a:schemeClr val="tx1"/>
-                </a:solidFill>
-                <a:latin typeface="Lucida Console" panose="020B0609040504020204" pitchFamily="49" charset="0"/>
-              </a:rPr>
-              <a:t>: 303 x 2</a:t>
-            </a:r>
+            <a:endParaRPr lang="en-US" dirty="0">
+              <a:solidFill>
+                <a:schemeClr val="accent4">
+                  <a:lumMod val="40000"/>
+                  <a:lumOff val="60000"/>
+                </a:schemeClr>
+              </a:solidFill>
+              <a:latin typeface="Lucida Console" panose="020B0609040504020204" pitchFamily="49" charset="0"/>
+            </a:endParaRPr>
           </a:p>
           <a:p>
             <a:pPr marL="0" indent="0">
@@ -7184,11 +7221,38 @@
             <a:r>
               <a:rPr lang="en-US" dirty="0">
                 <a:solidFill>
-                  <a:schemeClr val="tx1"/>
+                  <a:schemeClr val="accent4">
+                    <a:lumMod val="40000"/>
+                    <a:lumOff val="60000"/>
+                  </a:schemeClr>
                 </a:solidFill>
                 <a:latin typeface="Lucida Console" panose="020B0609040504020204" pitchFamily="49" charset="0"/>
               </a:rPr>
-              <a:t>##    word        n</a:t>
+              <a:t>## # A </a:t>
+            </a:r>
+            <a:r>
+              <a:rPr lang="en-US" dirty="0" err="1">
+                <a:solidFill>
+                  <a:schemeClr val="accent4">
+                    <a:lumMod val="40000"/>
+                    <a:lumOff val="60000"/>
+                  </a:schemeClr>
+                </a:solidFill>
+                <a:latin typeface="Lucida Console" panose="020B0609040504020204" pitchFamily="49" charset="0"/>
+              </a:rPr>
+              <a:t>tibble</a:t>
+            </a:r>
+            <a:r>
+              <a:rPr lang="en-US" dirty="0">
+                <a:solidFill>
+                  <a:schemeClr val="accent4">
+                    <a:lumMod val="40000"/>
+                    <a:lumOff val="60000"/>
+                  </a:schemeClr>
+                </a:solidFill>
+                <a:latin typeface="Lucida Console" panose="020B0609040504020204" pitchFamily="49" charset="0"/>
+              </a:rPr>
+              <a:t>: 303 x 2</a:t>
             </a:r>
           </a:p>
           <a:p>
@@ -7204,47 +7268,14 @@
             <a:r>
               <a:rPr lang="en-US" dirty="0">
                 <a:solidFill>
-                  <a:schemeClr val="tx1"/>
+                  <a:schemeClr val="accent4">
+                    <a:lumMod val="40000"/>
+                    <a:lumOff val="60000"/>
+                  </a:schemeClr>
                 </a:solidFill>
                 <a:latin typeface="Lucida Console" panose="020B0609040504020204" pitchFamily="49" charset="0"/>
               </a:rPr>
-              <a:t>##    &lt;</a:t>
-            </a:r>
-            <a:r>
-              <a:rPr lang="en-US" dirty="0" err="1">
-                <a:solidFill>
-                  <a:schemeClr val="tx1"/>
-                </a:solidFill>
-                <a:latin typeface="Lucida Console" panose="020B0609040504020204" pitchFamily="49" charset="0"/>
-              </a:rPr>
-              <a:t>chr</a:t>
-            </a:r>
-            <a:r>
-              <a:rPr lang="en-US" dirty="0">
-                <a:solidFill>
-                  <a:schemeClr val="tx1"/>
-                </a:solidFill>
-                <a:latin typeface="Lucida Console" panose="020B0609040504020204" pitchFamily="49" charset="0"/>
-              </a:rPr>
-              <a:t>&gt;   &lt;</a:t>
-            </a:r>
-            <a:r>
-              <a:rPr lang="en-US" dirty="0" err="1">
-                <a:solidFill>
-                  <a:schemeClr val="tx1"/>
-                </a:solidFill>
-                <a:latin typeface="Lucida Console" panose="020B0609040504020204" pitchFamily="49" charset="0"/>
-              </a:rPr>
-              <a:t>int</a:t>
-            </a:r>
-            <a:r>
-              <a:rPr lang="en-US" dirty="0">
-                <a:solidFill>
-                  <a:schemeClr val="tx1"/>
-                </a:solidFill>
-                <a:latin typeface="Lucida Console" panose="020B0609040504020204" pitchFamily="49" charset="0"/>
-              </a:rPr>
-              <a:t>&gt;</a:t>
+              <a:t>##    word        n</a:t>
             </a:r>
           </a:p>
           <a:p>
@@ -7260,11 +7291,62 @@
             <a:r>
               <a:rPr lang="en-US" dirty="0">
                 <a:solidFill>
-                  <a:schemeClr val="tx1"/>
+                  <a:schemeClr val="accent4">
+                    <a:lumMod val="40000"/>
+                    <a:lumOff val="60000"/>
+                  </a:schemeClr>
                 </a:solidFill>
                 <a:latin typeface="Lucida Console" panose="020B0609040504020204" pitchFamily="49" charset="0"/>
               </a:rPr>
-              <a:t>##  1 good      359</a:t>
+              <a:t>##    &lt;</a:t>
+            </a:r>
+            <a:r>
+              <a:rPr lang="en-US" dirty="0" err="1">
+                <a:solidFill>
+                  <a:schemeClr val="accent4">
+                    <a:lumMod val="40000"/>
+                    <a:lumOff val="60000"/>
+                  </a:schemeClr>
+                </a:solidFill>
+                <a:latin typeface="Lucida Console" panose="020B0609040504020204" pitchFamily="49" charset="0"/>
+              </a:rPr>
+              <a:t>chr</a:t>
+            </a:r>
+            <a:r>
+              <a:rPr lang="en-US" dirty="0">
+                <a:solidFill>
+                  <a:schemeClr val="accent4">
+                    <a:lumMod val="40000"/>
+                    <a:lumOff val="60000"/>
+                  </a:schemeClr>
+                </a:solidFill>
+                <a:latin typeface="Lucida Console" panose="020B0609040504020204" pitchFamily="49" charset="0"/>
+              </a:rPr>
+              <a:t>&gt;   &lt;</a:t>
+            </a:r>
+            <a:r>
+              <a:rPr lang="en-US" dirty="0" err="1">
+                <a:solidFill>
+                  <a:schemeClr val="accent4">
+                    <a:lumMod val="40000"/>
+                    <a:lumOff val="60000"/>
+                  </a:schemeClr>
+                </a:solidFill>
+                <a:latin typeface="Lucida Console" panose="020B0609040504020204" pitchFamily="49" charset="0"/>
+              </a:rPr>
+              <a:t>int</a:t>
+            </a:r>
+            <a:r>
+              <a:rPr lang="en-US" dirty="0">
+                <a:solidFill>
+                  <a:schemeClr val="accent4">
+                    <a:lumMod val="40000"/>
+                    <a:lumOff val="60000"/>
+                  </a:schemeClr>
+                </a:solidFill>
+                <a:latin typeface="Lucida Console" panose="020B0609040504020204" pitchFamily="49" charset="0"/>
+              </a:rPr>
+              <a:t>&gt;</a:t>
             </a:r>
           </a:p>
           <a:p>
@@ -7280,11 +7362,14 @@
             <a:r>
               <a:rPr lang="en-US" dirty="0">
                 <a:solidFill>
-                  <a:schemeClr val="tx1"/>
+                  <a:schemeClr val="accent4">
+                    <a:lumMod val="40000"/>
+                    <a:lumOff val="60000"/>
+                  </a:schemeClr>
                 </a:solidFill>
                 <a:latin typeface="Lucida Console" panose="020B0609040504020204" pitchFamily="49" charset="0"/>
               </a:rPr>
-              <a:t>##  2 young     192</a:t>
+              <a:t>##  1 good      359</a:t>
             </a:r>
           </a:p>
           <a:p>
@@ -7300,11 +7385,14 @@
             <a:r>
               <a:rPr lang="en-US" dirty="0">
                 <a:solidFill>
-                  <a:schemeClr val="tx1"/>
+                  <a:schemeClr val="accent4">
+                    <a:lumMod val="40000"/>
+                    <a:lumOff val="60000"/>
+                  </a:schemeClr>
                 </a:solidFill>
                 <a:latin typeface="Lucida Console" panose="020B0609040504020204" pitchFamily="49" charset="0"/>
               </a:rPr>
-              <a:t>##  3 friend    166</a:t>
+              <a:t>##  2 young     192</a:t>
             </a:r>
           </a:p>
           <a:p>
@@ -7320,11 +7408,14 @@
             <a:r>
               <a:rPr lang="en-US" dirty="0">
                 <a:solidFill>
-                  <a:schemeClr val="tx1"/>
+                  <a:schemeClr val="accent4">
+                    <a:lumMod val="40000"/>
+                    <a:lumOff val="60000"/>
+                  </a:schemeClr>
                 </a:solidFill>
                 <a:latin typeface="Lucida Console" panose="020B0609040504020204" pitchFamily="49" charset="0"/>
               </a:rPr>
-              <a:t>##  4 hope      143</a:t>
+              <a:t>##  3 friend    166</a:t>
             </a:r>
           </a:p>
           <a:p>
@@ -7340,11 +7431,14 @@
             <a:r>
               <a:rPr lang="en-US" dirty="0">
                 <a:solidFill>
-                  <a:schemeClr val="tx1"/>
+                  <a:schemeClr val="accent4">
+                    <a:lumMod val="40000"/>
+                    <a:lumOff val="60000"/>
+                  </a:schemeClr>
                 </a:solidFill>
                 <a:latin typeface="Lucida Console" panose="020B0609040504020204" pitchFamily="49" charset="0"/>
               </a:rPr>
-              <a:t>##  5 happy     125</a:t>
+              <a:t>##  4 hope      143</a:t>
             </a:r>
           </a:p>
           <a:p>
@@ -7360,11 +7454,14 @@
             <a:r>
               <a:rPr lang="en-US" dirty="0">
                 <a:solidFill>
-                  <a:schemeClr val="tx1"/>
+                  <a:schemeClr val="accent4">
+                    <a:lumMod val="40000"/>
+                    <a:lumOff val="60000"/>
+                  </a:schemeClr>
                 </a:solidFill>
                 <a:latin typeface="Lucida Console" panose="020B0609040504020204" pitchFamily="49" charset="0"/>
               </a:rPr>
-              <a:t>##  6 love      117</a:t>
+              <a:t>##  5 happy     125</a:t>
             </a:r>
           </a:p>
           <a:p>
@@ -7380,11 +7477,14 @@
             <a:r>
               <a:rPr lang="en-US" dirty="0">
                 <a:solidFill>
-                  <a:schemeClr val="tx1"/>
+                  <a:schemeClr val="accent4">
+                    <a:lumMod val="40000"/>
+                    <a:lumOff val="60000"/>
+                  </a:schemeClr>
                 </a:solidFill>
                 <a:latin typeface="Lucida Console" panose="020B0609040504020204" pitchFamily="49" charset="0"/>
               </a:rPr>
-              <a:t>##  7 deal       92</a:t>
+              <a:t>##  6 love      117</a:t>
             </a:r>
           </a:p>
           <a:p>
@@ -7400,11 +7500,14 @@
             <a:r>
               <a:rPr lang="en-US" dirty="0">
                 <a:solidFill>
-                  <a:schemeClr val="tx1"/>
+                  <a:schemeClr val="accent4">
+                    <a:lumMod val="40000"/>
+                    <a:lumOff val="60000"/>
+                  </a:schemeClr>
                 </a:solidFill>
                 <a:latin typeface="Lucida Console" panose="020B0609040504020204" pitchFamily="49" charset="0"/>
               </a:rPr>
-              <a:t>##  8 found      92</a:t>
+              <a:t>##  7 deal       92</a:t>
             </a:r>
           </a:p>
           <a:p>
@@ -7420,11 +7523,14 @@
             <a:r>
               <a:rPr lang="en-US" dirty="0">
                 <a:solidFill>
-                  <a:schemeClr val="tx1"/>
+                  <a:schemeClr val="accent4">
+                    <a:lumMod val="40000"/>
+                    <a:lumOff val="60000"/>
+                  </a:schemeClr>
                 </a:solidFill>
                 <a:latin typeface="Lucida Console" panose="020B0609040504020204" pitchFamily="49" charset="0"/>
               </a:rPr>
-              <a:t>##  9 present    89</a:t>
+              <a:t>##  8 found      92</a:t>
             </a:r>
           </a:p>
           <a:p>
@@ -7440,11 +7546,14 @@
             <a:r>
               <a:rPr lang="en-US" dirty="0">
                 <a:solidFill>
-                  <a:schemeClr val="tx1"/>
+                  <a:schemeClr val="accent4">
+                    <a:lumMod val="40000"/>
+                    <a:lumOff val="60000"/>
+                  </a:schemeClr>
                 </a:solidFill>
                 <a:latin typeface="Lucida Console" panose="020B0609040504020204" pitchFamily="49" charset="0"/>
               </a:rPr>
-              <a:t>## 10 kind       82</a:t>
+              <a:t>##  9 present    89</a:t>
             </a:r>
           </a:p>
           <a:p>
@@ -7460,7 +7569,33 @@
             <a:r>
               <a:rPr lang="en-US" dirty="0">
                 <a:solidFill>
-                  <a:schemeClr val="tx1"/>
+                  <a:schemeClr val="accent4">
+                    <a:lumMod val="40000"/>
+                    <a:lumOff val="60000"/>
+                  </a:schemeClr>
+                </a:solidFill>
+                <a:latin typeface="Lucida Console" panose="020B0609040504020204" pitchFamily="49" charset="0"/>
+              </a:rPr>
+              <a:t>## 10 kind       82</a:t>
+            </a:r>
+          </a:p>
+          <a:p>
+            <a:pPr marL="0" indent="0">
+              <a:lnSpc>
+                <a:spcPct val="120000"/>
+              </a:lnSpc>
+              <a:spcBef>
+                <a:spcPts val="0"/>
+              </a:spcBef>
+              <a:buNone/>
+            </a:pPr>
+            <a:r>
+              <a:rPr lang="en-US" dirty="0">
+                <a:solidFill>
+                  <a:schemeClr val="accent4">
+                    <a:lumMod val="40000"/>
+                    <a:lumOff val="60000"/>
+                  </a:schemeClr>
                 </a:solidFill>
                 <a:latin typeface="Lucida Console" panose="020B0609040504020204" pitchFamily="49" charset="0"/>
               </a:rPr>
@@ -7592,7 +7727,7 @@
             <a:r>
               <a:rPr lang="en-US" spc="15" dirty="0">
                 <a:solidFill>
-                  <a:srgbClr val="0070C0"/>
+                  <a:srgbClr val="65BDFF"/>
                 </a:solidFill>
                 <a:latin typeface="Helvetica" panose="020B0604020202020204" pitchFamily="34" charset="0"/>
                 <a:ea typeface="Times New Roman" panose="02020603050405020304" pitchFamily="18" charset="0"/>
@@ -7601,7 +7736,7 @@
             </a:r>
             <a:endParaRPr lang="en-US" dirty="0">
               <a:solidFill>
-                <a:srgbClr val="0070C0"/>
+                <a:srgbClr val="65BDFF"/>
               </a:solidFill>
             </a:endParaRPr>
           </a:p>
@@ -7912,7 +8047,7 @@
         <p:spPr/>
         <p:txBody>
           <a:bodyPr>
-            <a:normAutofit fontScale="70000" lnSpcReduction="20000"/>
+            <a:normAutofit fontScale="85000" lnSpcReduction="20000"/>
           </a:bodyPr>
           <a:lstStyle/>
           <a:p>
@@ -7969,7 +8104,7 @@
         <p:spPr/>
         <p:txBody>
           <a:bodyPr>
-            <a:normAutofit fontScale="70000" lnSpcReduction="20000"/>
+            <a:normAutofit fontScale="85000" lnSpcReduction="20000"/>
           </a:bodyPr>
           <a:lstStyle/>
           <a:p>
@@ -8722,8 +8857,8 @@
         </p:blipFill>
         <p:spPr bwMode="auto">
           <a:xfrm>
-            <a:off x="1470898" y="1825625"/>
-            <a:ext cx="3916204" cy="4351338"/>
+            <a:off x="942102" y="1354138"/>
+            <a:ext cx="4541995" cy="5046662"/>
           </a:xfrm>
           <a:prstGeom prst="rect">
             <a:avLst/>
@@ -8957,7 +9092,7 @@
         <p:spPr/>
         <p:txBody>
           <a:bodyPr>
-            <a:normAutofit fontScale="77500" lnSpcReduction="20000"/>
+            <a:normAutofit fontScale="92500" lnSpcReduction="20000"/>
           </a:bodyPr>
           <a:lstStyle/>
           <a:p>
@@ -9055,7 +9190,7 @@
         <p:spPr/>
         <p:txBody>
           <a:bodyPr>
-            <a:normAutofit fontScale="77500" lnSpcReduction="20000"/>
+            <a:normAutofit fontScale="92500" lnSpcReduction="20000"/>
           </a:bodyPr>
           <a:lstStyle/>
           <a:p>
@@ -9456,7 +9591,7 @@
         <p:spPr/>
         <p:txBody>
           <a:bodyPr>
-            <a:normAutofit fontScale="55000" lnSpcReduction="20000"/>
+            <a:normAutofit fontScale="62500" lnSpcReduction="20000"/>
           </a:bodyPr>
           <a:lstStyle/>
           <a:p>
@@ -9549,6 +9684,20 @@
             </a:endParaRPr>
           </a:p>
           <a:p>
+            <a:pPr marL="0" indent="0" latinLnBrk="1">
+              <a:lnSpc>
+                <a:spcPct val="120000"/>
+              </a:lnSpc>
+              <a:spcBef>
+                <a:spcPts val="0"/>
+              </a:spcBef>
+              <a:buNone/>
+            </a:pPr>
+            <a:endParaRPr lang="en-US" dirty="0">
+              <a:latin typeface="Lucida Console" panose="020B0609040504020204" pitchFamily="49" charset="0"/>
+            </a:endParaRPr>
+          </a:p>
+          <a:p>
             <a:pPr marL="0" indent="0">
               <a:lnSpc>
                 <a:spcPct val="120000"/>
@@ -9559,27 +9708,36 @@
               <a:buNone/>
             </a:pPr>
             <a:r>
-              <a:rPr lang="en-US" dirty="0">
+              <a:rPr lang="en-US" sz="2600" dirty="0">
                 <a:solidFill>
-                  <a:schemeClr val="tx1"/>
+                  <a:schemeClr val="accent4">
+                    <a:lumMod val="40000"/>
+                    <a:lumOff val="60000"/>
+                  </a:schemeClr>
                 </a:solidFill>
                 <a:latin typeface="Lucida Console" panose="020B0609040504020204" pitchFamily="49" charset="0"/>
               </a:rPr>
               <a:t>## # A </a:t>
             </a:r>
             <a:r>
-              <a:rPr lang="en-US" dirty="0" err="1">
+              <a:rPr lang="en-US" sz="2600" dirty="0" err="1">
                 <a:solidFill>
-                  <a:schemeClr val="tx1"/>
+                  <a:schemeClr val="accent4">
+                    <a:lumMod val="40000"/>
+                    <a:lumOff val="60000"/>
+                  </a:schemeClr>
                 </a:solidFill>
                 <a:latin typeface="Lucida Console" panose="020B0609040504020204" pitchFamily="49" charset="0"/>
               </a:rPr>
               <a:t>tibble</a:t>
             </a:r>
             <a:r>
-              <a:rPr lang="en-US" dirty="0">
+              <a:rPr lang="en-US" sz="2600" dirty="0">
                 <a:solidFill>
-                  <a:schemeClr val="tx1"/>
+                  <a:schemeClr val="accent4">
+                    <a:lumMod val="40000"/>
+                    <a:lumOff val="60000"/>
+                  </a:schemeClr>
                 </a:solidFill>
                 <a:latin typeface="Lucida Console" panose="020B0609040504020204" pitchFamily="49" charset="0"/>
               </a:rPr>
@@ -9597,27 +9755,36 @@
               <a:buNone/>
             </a:pPr>
             <a:r>
-              <a:rPr lang="en-US" dirty="0">
+              <a:rPr lang="en-US" sz="2600" dirty="0">
                 <a:solidFill>
-                  <a:schemeClr val="tx1"/>
+                  <a:schemeClr val="accent4">
+                    <a:lumMod val="40000"/>
+                    <a:lumOff val="60000"/>
+                  </a:schemeClr>
                 </a:solidFill>
                 <a:latin typeface="Lucida Console" panose="020B0609040504020204" pitchFamily="49" charset="0"/>
               </a:rPr>
               <a:t>##    book              </a:t>
             </a:r>
             <a:r>
-              <a:rPr lang="en-US" dirty="0" err="1">
+              <a:rPr lang="en-US" sz="2600" dirty="0" err="1">
                 <a:solidFill>
-                  <a:schemeClr val="tx1"/>
+                  <a:schemeClr val="accent4">
+                    <a:lumMod val="40000"/>
+                    <a:lumOff val="60000"/>
+                  </a:schemeClr>
                 </a:solidFill>
                 <a:latin typeface="Lucida Console" panose="020B0609040504020204" pitchFamily="49" charset="0"/>
               </a:rPr>
               <a:t>linenumber</a:t>
             </a:r>
             <a:r>
-              <a:rPr lang="en-US" dirty="0">
+              <a:rPr lang="en-US" sz="2600" dirty="0">
                 <a:solidFill>
-                  <a:schemeClr val="tx1"/>
+                  <a:schemeClr val="accent4">
+                    <a:lumMod val="40000"/>
+                    <a:lumOff val="60000"/>
+                  </a:schemeClr>
                 </a:solidFill>
                 <a:latin typeface="Lucida Console" panose="020B0609040504020204" pitchFamily="49" charset="0"/>
               </a:rPr>
@@ -9635,81 +9802,108 @@
               <a:buNone/>
             </a:pPr>
             <a:r>
-              <a:rPr lang="en-US" dirty="0">
+              <a:rPr lang="en-US" sz="2600" dirty="0">
                 <a:solidFill>
-                  <a:schemeClr val="tx1"/>
+                  <a:schemeClr val="accent4">
+                    <a:lumMod val="40000"/>
+                    <a:lumOff val="60000"/>
+                  </a:schemeClr>
                 </a:solidFill>
                 <a:latin typeface="Lucida Console" panose="020B0609040504020204" pitchFamily="49" charset="0"/>
               </a:rPr>
               <a:t>##    &lt;</a:t>
             </a:r>
             <a:r>
-              <a:rPr lang="en-US" dirty="0" err="1">
+              <a:rPr lang="en-US" sz="2600" dirty="0" err="1">
                 <a:solidFill>
-                  <a:schemeClr val="tx1"/>
+                  <a:schemeClr val="accent4">
+                    <a:lumMod val="40000"/>
+                    <a:lumOff val="60000"/>
+                  </a:schemeClr>
                 </a:solidFill>
                 <a:latin typeface="Lucida Console" panose="020B0609040504020204" pitchFamily="49" charset="0"/>
               </a:rPr>
               <a:t>fct</a:t>
             </a:r>
             <a:r>
-              <a:rPr lang="en-US" dirty="0">
+              <a:rPr lang="en-US" sz="2600" dirty="0">
                 <a:solidFill>
-                  <a:schemeClr val="tx1"/>
+                  <a:schemeClr val="accent4">
+                    <a:lumMod val="40000"/>
+                    <a:lumOff val="60000"/>
+                  </a:schemeClr>
                 </a:solidFill>
                 <a:latin typeface="Lucida Console" panose="020B0609040504020204" pitchFamily="49" charset="0"/>
               </a:rPr>
               <a:t>&gt;                  &lt;</a:t>
             </a:r>
             <a:r>
-              <a:rPr lang="en-US" dirty="0" err="1">
+              <a:rPr lang="en-US" sz="2600" dirty="0" err="1">
                 <a:solidFill>
-                  <a:schemeClr val="tx1"/>
+                  <a:schemeClr val="accent4">
+                    <a:lumMod val="40000"/>
+                    <a:lumOff val="60000"/>
+                  </a:schemeClr>
                 </a:solidFill>
                 <a:latin typeface="Lucida Console" panose="020B0609040504020204" pitchFamily="49" charset="0"/>
               </a:rPr>
               <a:t>int</a:t>
             </a:r>
             <a:r>
-              <a:rPr lang="en-US" dirty="0">
+              <a:rPr lang="en-US" sz="2600" dirty="0">
                 <a:solidFill>
-                  <a:schemeClr val="tx1"/>
+                  <a:schemeClr val="accent4">
+                    <a:lumMod val="40000"/>
+                    <a:lumOff val="60000"/>
+                  </a:schemeClr>
                 </a:solidFill>
                 <a:latin typeface="Lucida Console" panose="020B0609040504020204" pitchFamily="49" charset="0"/>
               </a:rPr>
               <a:t>&gt;   &lt;</a:t>
             </a:r>
             <a:r>
-              <a:rPr lang="en-US" dirty="0" err="1">
+              <a:rPr lang="en-US" sz="2600" dirty="0" err="1">
                 <a:solidFill>
-                  <a:schemeClr val="tx1"/>
+                  <a:schemeClr val="accent4">
+                    <a:lumMod val="40000"/>
+                    <a:lumOff val="60000"/>
+                  </a:schemeClr>
                 </a:solidFill>
                 <a:latin typeface="Lucida Console" panose="020B0609040504020204" pitchFamily="49" charset="0"/>
               </a:rPr>
               <a:t>int</a:t>
             </a:r>
             <a:r>
-              <a:rPr lang="en-US" dirty="0">
+              <a:rPr lang="en-US" sz="2600" dirty="0">
                 <a:solidFill>
-                  <a:schemeClr val="tx1"/>
+                  <a:schemeClr val="accent4">
+                    <a:lumMod val="40000"/>
+                    <a:lumOff val="60000"/>
+                  </a:schemeClr>
                 </a:solidFill>
                 <a:latin typeface="Lucida Console" panose="020B0609040504020204" pitchFamily="49" charset="0"/>
               </a:rPr>
               <a:t>&gt; &lt;</a:t>
             </a:r>
             <a:r>
-              <a:rPr lang="en-US" dirty="0" err="1">
+              <a:rPr lang="en-US" sz="2600" dirty="0" err="1">
                 <a:solidFill>
-                  <a:schemeClr val="tx1"/>
+                  <a:schemeClr val="accent4">
+                    <a:lumMod val="40000"/>
+                    <a:lumOff val="60000"/>
+                  </a:schemeClr>
                 </a:solidFill>
                 <a:latin typeface="Lucida Console" panose="020B0609040504020204" pitchFamily="49" charset="0"/>
               </a:rPr>
               <a:t>chr</a:t>
             </a:r>
             <a:r>
-              <a:rPr lang="en-US" dirty="0">
+              <a:rPr lang="en-US" sz="2600" dirty="0">
                 <a:solidFill>
-                  <a:schemeClr val="tx1"/>
+                  <a:schemeClr val="accent4">
+                    <a:lumMod val="40000"/>
+                    <a:lumOff val="60000"/>
+                  </a:schemeClr>
                 </a:solidFill>
                 <a:latin typeface="Lucida Console" panose="020B0609040504020204" pitchFamily="49" charset="0"/>
               </a:rPr>
@@ -9727,9 +9921,12 @@
               <a:buNone/>
             </a:pPr>
             <a:r>
-              <a:rPr lang="en-US" dirty="0">
+              <a:rPr lang="en-US" sz="2600" dirty="0">
                 <a:solidFill>
-                  <a:schemeClr val="tx1"/>
+                  <a:schemeClr val="accent4">
+                    <a:lumMod val="40000"/>
+                    <a:lumOff val="60000"/>
+                  </a:schemeClr>
                 </a:solidFill>
                 <a:latin typeface="Lucida Console" panose="020B0609040504020204" pitchFamily="49" charset="0"/>
               </a:rPr>
@@ -9747,9 +9944,12 @@
               <a:buNone/>
             </a:pPr>
             <a:r>
-              <a:rPr lang="en-US" dirty="0">
+              <a:rPr lang="en-US" sz="2600" dirty="0">
                 <a:solidFill>
-                  <a:schemeClr val="tx1"/>
+                  <a:schemeClr val="accent4">
+                    <a:lumMod val="40000"/>
+                    <a:lumOff val="60000"/>
+                  </a:schemeClr>
                 </a:solidFill>
                 <a:latin typeface="Lucida Console" panose="020B0609040504020204" pitchFamily="49" charset="0"/>
               </a:rPr>
@@ -9767,9 +9967,12 @@
               <a:buNone/>
             </a:pPr>
             <a:r>
-              <a:rPr lang="en-US" dirty="0">
+              <a:rPr lang="en-US" sz="2600" dirty="0">
                 <a:solidFill>
-                  <a:schemeClr val="tx1"/>
+                  <a:schemeClr val="accent4">
+                    <a:lumMod val="40000"/>
+                    <a:lumOff val="60000"/>
+                  </a:schemeClr>
                 </a:solidFill>
                 <a:latin typeface="Lucida Console" panose="020B0609040504020204" pitchFamily="49" charset="0"/>
               </a:rPr>
@@ -9787,9 +9990,12 @@
               <a:buNone/>
             </a:pPr>
             <a:r>
-              <a:rPr lang="en-US" dirty="0">
+              <a:rPr lang="en-US" sz="2600" dirty="0">
                 <a:solidFill>
-                  <a:schemeClr val="tx1"/>
+                  <a:schemeClr val="accent4">
+                    <a:lumMod val="40000"/>
+                    <a:lumOff val="60000"/>
+                  </a:schemeClr>
                 </a:solidFill>
                 <a:latin typeface="Lucida Console" panose="020B0609040504020204" pitchFamily="49" charset="0"/>
               </a:rPr>
@@ -9807,9 +10013,12 @@
               <a:buNone/>
             </a:pPr>
             <a:r>
-              <a:rPr lang="en-US" dirty="0">
+              <a:rPr lang="en-US" sz="2600" dirty="0">
                 <a:solidFill>
-                  <a:schemeClr val="tx1"/>
+                  <a:schemeClr val="accent4">
+                    <a:lumMod val="40000"/>
+                    <a:lumOff val="60000"/>
+                  </a:schemeClr>
                 </a:solidFill>
                 <a:latin typeface="Lucida Console" panose="020B0609040504020204" pitchFamily="49" charset="0"/>
               </a:rPr>
@@ -9827,27 +10036,36 @@
               <a:buNone/>
             </a:pPr>
             <a:r>
-              <a:rPr lang="en-US" dirty="0">
+              <a:rPr lang="en-US" sz="2600" dirty="0">
                 <a:solidFill>
-                  <a:schemeClr val="tx1"/>
+                  <a:schemeClr val="accent4">
+                    <a:lumMod val="40000"/>
+                    <a:lumOff val="60000"/>
+                  </a:schemeClr>
                 </a:solidFill>
                 <a:latin typeface="Lucida Console" panose="020B0609040504020204" pitchFamily="49" charset="0"/>
               </a:rPr>
               <a:t>##  6 Pride &amp; Prejudice          3       0 </a:t>
             </a:r>
             <a:r>
-              <a:rPr lang="en-US" dirty="0" err="1">
+              <a:rPr lang="en-US" sz="2600" dirty="0" err="1">
                 <a:solidFill>
-                  <a:schemeClr val="tx1"/>
+                  <a:schemeClr val="accent4">
+                    <a:lumMod val="40000"/>
+                    <a:lumOff val="60000"/>
+                  </a:schemeClr>
                 </a:solidFill>
                 <a:latin typeface="Lucida Console" panose="020B0609040504020204" pitchFamily="49" charset="0"/>
               </a:rPr>
               <a:t>austen</a:t>
             </a:r>
             <a:r>
-              <a:rPr lang="en-US" dirty="0">
+              <a:rPr lang="en-US" sz="2600" dirty="0">
                 <a:solidFill>
-                  <a:schemeClr val="tx1"/>
+                  <a:schemeClr val="accent4">
+                    <a:lumMod val="40000"/>
+                    <a:lumOff val="60000"/>
+                  </a:schemeClr>
                 </a:solidFill>
                 <a:latin typeface="Lucida Console" panose="020B0609040504020204" pitchFamily="49" charset="0"/>
               </a:rPr>
@@ -9865,9 +10083,12 @@
               <a:buNone/>
             </a:pPr>
             <a:r>
-              <a:rPr lang="en-US" dirty="0">
+              <a:rPr lang="en-US" sz="2600" dirty="0">
                 <a:solidFill>
-                  <a:schemeClr val="tx1"/>
+                  <a:schemeClr val="accent4">
+                    <a:lumMod val="40000"/>
+                    <a:lumOff val="60000"/>
+                  </a:schemeClr>
                 </a:solidFill>
                 <a:latin typeface="Lucida Console" panose="020B0609040504020204" pitchFamily="49" charset="0"/>
               </a:rPr>
@@ -9885,9 +10106,12 @@
               <a:buNone/>
             </a:pPr>
             <a:r>
-              <a:rPr lang="en-US" dirty="0">
+              <a:rPr lang="en-US" sz="2600" dirty="0">
                 <a:solidFill>
-                  <a:schemeClr val="tx1"/>
+                  <a:schemeClr val="accent4">
+                    <a:lumMod val="40000"/>
+                    <a:lumOff val="60000"/>
+                  </a:schemeClr>
                 </a:solidFill>
                 <a:latin typeface="Lucida Console" panose="020B0609040504020204" pitchFamily="49" charset="0"/>
               </a:rPr>
@@ -9905,9 +10129,12 @@
               <a:buNone/>
             </a:pPr>
             <a:r>
-              <a:rPr lang="en-US" dirty="0">
+              <a:rPr lang="en-US" sz="2600" dirty="0">
                 <a:solidFill>
-                  <a:schemeClr val="tx1"/>
+                  <a:schemeClr val="accent4">
+                    <a:lumMod val="40000"/>
+                    <a:lumOff val="60000"/>
+                  </a:schemeClr>
                 </a:solidFill>
                 <a:latin typeface="Lucida Console" panose="020B0609040504020204" pitchFamily="49" charset="0"/>
               </a:rPr>
@@ -9925,9 +10152,12 @@
               <a:buNone/>
             </a:pPr>
             <a:r>
-              <a:rPr lang="en-US" dirty="0">
+              <a:rPr lang="en-US" sz="2600" dirty="0">
                 <a:solidFill>
-                  <a:schemeClr val="tx1"/>
+                  <a:schemeClr val="accent4">
+                    <a:lumMod val="40000"/>
+                    <a:lumOff val="60000"/>
+                  </a:schemeClr>
                 </a:solidFill>
                 <a:latin typeface="Lucida Console" panose="020B0609040504020204" pitchFamily="49" charset="0"/>
               </a:rPr>
@@ -9945,9 +10175,12 @@
               <a:buNone/>
             </a:pPr>
             <a:r>
-              <a:rPr lang="en-US" dirty="0">
+              <a:rPr lang="en-US" sz="2600" dirty="0">
                 <a:solidFill>
-                  <a:schemeClr val="tx1"/>
+                  <a:schemeClr val="accent4">
+                    <a:lumMod val="40000"/>
+                    <a:lumOff val="60000"/>
+                  </a:schemeClr>
                 </a:solidFill>
                 <a:latin typeface="Lucida Console" panose="020B0609040504020204" pitchFamily="49" charset="0"/>
               </a:rPr>
@@ -10366,7 +10599,7 @@
         <p:spPr/>
         <p:txBody>
           <a:bodyPr>
-            <a:normAutofit fontScale="92500" lnSpcReduction="10000"/>
+            <a:normAutofit lnSpcReduction="10000"/>
           </a:bodyPr>
           <a:lstStyle/>
           <a:p>
@@ -11953,7 +12186,7 @@
         <p:spPr/>
         <p:txBody>
           <a:bodyPr>
-            <a:normAutofit fontScale="70000" lnSpcReduction="20000"/>
+            <a:normAutofit fontScale="77500" lnSpcReduction="20000"/>
           </a:bodyPr>
           <a:lstStyle/>
           <a:p>
@@ -12121,7 +12354,7 @@
         </p:spPr>
         <p:txBody>
           <a:bodyPr>
-            <a:normAutofit/>
+            <a:normAutofit fontScale="77500" lnSpcReduction="20000"/>
           </a:bodyPr>
           <a:lstStyle/>
           <a:p>
@@ -12465,7 +12698,7 @@
         <p:spPr/>
         <p:txBody>
           <a:bodyPr>
-            <a:normAutofit fontScale="92500" lnSpcReduction="20000"/>
+            <a:normAutofit fontScale="92500" lnSpcReduction="10000"/>
           </a:bodyPr>
           <a:lstStyle/>
           <a:p>
@@ -12583,7 +12816,7 @@
         </p:spPr>
         <p:txBody>
           <a:bodyPr>
-            <a:normAutofit/>
+            <a:normAutofit fontScale="92500" lnSpcReduction="10000"/>
           </a:bodyPr>
           <a:lstStyle/>
           <a:p>
@@ -15080,7 +15313,7 @@
   <a:extraClrSchemeLst/>
   <a:extLst>
     <a:ext uri="{05A4C25C-085E-4340-85A3-A5531E510DB2}">
-      <thm15:themeFamily xmlns:thm15="http://schemas.microsoft.com/office/thememl/2012/main" name="Lesson 12 - Data Analytics - GLMs" id="{2D671843-01B0-4809-83B7-DCD6022711AC}" vid="{631529AC-459A-4F8A-9050-54C0368E42C7}"/>
+      <thm15:themeFamily xmlns:thm15="http://schemas.microsoft.com/office/thememl/2012/main" name="Analytics_World" id="{0D0CA6F4-4249-491F-90A1-38D2E759BAFB}" vid="{73C02A8C-8EF0-4E7B-9EF2-CA7EFEB1E564}"/>
     </a:ext>
   </a:extLst>
 </a:theme>
